--- a/TypeScript.pptx
+++ b/TypeScript.pptx
@@ -9,6 +9,8 @@
     <p:sldId id="257" r:id="rId3"/>
     <p:sldId id="258" r:id="rId4"/>
     <p:sldId id="259" r:id="rId5"/>
+    <p:sldId id="260" r:id="rId6"/>
+    <p:sldId id="261" r:id="rId7"/>
   </p:sldIdLst>
   <p:sldSz cx="12192000" cy="6858000"/>
   <p:notesSz cx="6858000" cy="9144000"/>
@@ -107,6 +109,11 @@
       </a:defRPr>
     </a:lvl9pPr>
   </p:defaultTextStyle>
+  <p:extLst>
+    <p:ext uri="{EFAFB233-063F-42B5-8137-9DF3F51BA10A}">
+      <p15:sldGuideLst xmlns:p15="http://schemas.microsoft.com/office/powerpoint/2012/main"/>
+    </p:ext>
+  </p:extLst>
 </p:presentation>
 </file>
 
@@ -241,7 +248,7 @@
           <a:p>
             <a:fld id="{69021456-C83E-4F8F-BDAC-108F14EC185F}" type="datetimeFigureOut">
               <a:rPr lang="zh-CN" altLang="en-US" smtClean="0"/>
-              <a:t>2018/12/11</a:t>
+              <a:t>2018/12/12</a:t>
             </a:fld>
             <a:endParaRPr lang="zh-CN" altLang="en-US"/>
           </a:p>
@@ -411,7 +418,7 @@
           <a:p>
             <a:fld id="{69021456-C83E-4F8F-BDAC-108F14EC185F}" type="datetimeFigureOut">
               <a:rPr lang="zh-CN" altLang="en-US" smtClean="0"/>
-              <a:t>2018/12/11</a:t>
+              <a:t>2018/12/12</a:t>
             </a:fld>
             <a:endParaRPr lang="zh-CN" altLang="en-US"/>
           </a:p>
@@ -591,7 +598,7 @@
           <a:p>
             <a:fld id="{69021456-C83E-4F8F-BDAC-108F14EC185F}" type="datetimeFigureOut">
               <a:rPr lang="zh-CN" altLang="en-US" smtClean="0"/>
-              <a:t>2018/12/11</a:t>
+              <a:t>2018/12/12</a:t>
             </a:fld>
             <a:endParaRPr lang="zh-CN" altLang="en-US"/>
           </a:p>
@@ -761,7 +768,7 @@
           <a:p>
             <a:fld id="{69021456-C83E-4F8F-BDAC-108F14EC185F}" type="datetimeFigureOut">
               <a:rPr lang="zh-CN" altLang="en-US" smtClean="0"/>
-              <a:t>2018/12/11</a:t>
+              <a:t>2018/12/12</a:t>
             </a:fld>
             <a:endParaRPr lang="zh-CN" altLang="en-US"/>
           </a:p>
@@ -1007,7 +1014,7 @@
           <a:p>
             <a:fld id="{69021456-C83E-4F8F-BDAC-108F14EC185F}" type="datetimeFigureOut">
               <a:rPr lang="zh-CN" altLang="en-US" smtClean="0"/>
-              <a:t>2018/12/11</a:t>
+              <a:t>2018/12/12</a:t>
             </a:fld>
             <a:endParaRPr lang="zh-CN" altLang="en-US"/>
           </a:p>
@@ -1239,7 +1246,7 @@
           <a:p>
             <a:fld id="{69021456-C83E-4F8F-BDAC-108F14EC185F}" type="datetimeFigureOut">
               <a:rPr lang="zh-CN" altLang="en-US" smtClean="0"/>
-              <a:t>2018/12/11</a:t>
+              <a:t>2018/12/12</a:t>
             </a:fld>
             <a:endParaRPr lang="zh-CN" altLang="en-US"/>
           </a:p>
@@ -1606,7 +1613,7 @@
           <a:p>
             <a:fld id="{69021456-C83E-4F8F-BDAC-108F14EC185F}" type="datetimeFigureOut">
               <a:rPr lang="zh-CN" altLang="en-US" smtClean="0"/>
-              <a:t>2018/12/11</a:t>
+              <a:t>2018/12/12</a:t>
             </a:fld>
             <a:endParaRPr lang="zh-CN" altLang="en-US"/>
           </a:p>
@@ -1724,7 +1731,7 @@
           <a:p>
             <a:fld id="{69021456-C83E-4F8F-BDAC-108F14EC185F}" type="datetimeFigureOut">
               <a:rPr lang="zh-CN" altLang="en-US" smtClean="0"/>
-              <a:t>2018/12/11</a:t>
+              <a:t>2018/12/12</a:t>
             </a:fld>
             <a:endParaRPr lang="zh-CN" altLang="en-US"/>
           </a:p>
@@ -1819,7 +1826,7 @@
           <a:p>
             <a:fld id="{69021456-C83E-4F8F-BDAC-108F14EC185F}" type="datetimeFigureOut">
               <a:rPr lang="zh-CN" altLang="en-US" smtClean="0"/>
-              <a:t>2018/12/11</a:t>
+              <a:t>2018/12/12</a:t>
             </a:fld>
             <a:endParaRPr lang="zh-CN" altLang="en-US"/>
           </a:p>
@@ -2096,7 +2103,7 @@
           <a:p>
             <a:fld id="{69021456-C83E-4F8F-BDAC-108F14EC185F}" type="datetimeFigureOut">
               <a:rPr lang="zh-CN" altLang="en-US" smtClean="0"/>
-              <a:t>2018/12/11</a:t>
+              <a:t>2018/12/12</a:t>
             </a:fld>
             <a:endParaRPr lang="zh-CN" altLang="en-US"/>
           </a:p>
@@ -2349,7 +2356,7 @@
           <a:p>
             <a:fld id="{69021456-C83E-4F8F-BDAC-108F14EC185F}" type="datetimeFigureOut">
               <a:rPr lang="zh-CN" altLang="en-US" smtClean="0"/>
-              <a:t>2018/12/11</a:t>
+              <a:t>2018/12/12</a:t>
             </a:fld>
             <a:endParaRPr lang="zh-CN" altLang="en-US"/>
           </a:p>
@@ -2562,7 +2569,7 @@
           <a:p>
             <a:fld id="{69021456-C83E-4F8F-BDAC-108F14EC185F}" type="datetimeFigureOut">
               <a:rPr lang="zh-CN" altLang="en-US" smtClean="0"/>
-              <a:t>2018/12/11</a:t>
+              <a:t>2018/12/12</a:t>
             </a:fld>
             <a:endParaRPr lang="zh-CN" altLang="en-US"/>
           </a:p>
@@ -3268,7 +3275,19 @@
           <a:p>
             <a:r>
               <a:rPr lang="en-US" altLang="zh-CN" dirty="0" smtClean="0"/>
-              <a:t>Since TS is just a superset of JS</a:t>
+              <a:t>Since TS is just a superset of </a:t>
+            </a:r>
+            <a:r>
+              <a:rPr lang="en-US" altLang="zh-CN" dirty="0" smtClean="0"/>
+              <a:t>JS, you can just start compiling your new </a:t>
+            </a:r>
+            <a:r>
+              <a:rPr lang="en-US" altLang="zh-CN" dirty="0" err="1" smtClean="0"/>
+              <a:t>ts</a:t>
+            </a:r>
+            <a:r>
+              <a:rPr lang="en-US" altLang="zh-CN" dirty="0" smtClean="0"/>
+              <a:t> files with the Typescript compiler</a:t>
             </a:r>
             <a:endParaRPr lang="zh-CN" altLang="en-US" dirty="0"/>
           </a:p>
@@ -3278,6 +3297,150 @@
     <p:extLst>
       <p:ext uri="{BB962C8B-B14F-4D97-AF65-F5344CB8AC3E}">
         <p14:creationId xmlns:p14="http://schemas.microsoft.com/office/powerpoint/2010/main" val="2789316602"/>
+      </p:ext>
+    </p:extLst>
+  </p:cSld>
+  <p:clrMapOvr>
+    <a:masterClrMapping/>
+  </p:clrMapOvr>
+</p:sld>
+</file>
+
+<file path=ppt/slides/slide5.xml><?xml version="1.0" encoding="utf-8"?>
+<p:sld xmlns:a="http://schemas.openxmlformats.org/drawingml/2006/main" xmlns:r="http://schemas.openxmlformats.org/officeDocument/2006/relationships" xmlns:p="http://schemas.openxmlformats.org/presentationml/2006/main">
+  <p:cSld>
+    <p:spTree>
+      <p:nvGrpSpPr>
+        <p:cNvPr id="1" name=""/>
+        <p:cNvGrpSpPr/>
+        <p:nvPr/>
+      </p:nvGrpSpPr>
+      <p:grpSpPr>
+        <a:xfrm>
+          <a:off x="0" y="0"/>
+          <a:ext cx="0" cy="0"/>
+          <a:chOff x="0" y="0"/>
+          <a:chExt cx="0" cy="0"/>
+        </a:xfrm>
+      </p:grpSpPr>
+      <p:sp>
+        <p:nvSpPr>
+          <p:cNvPr id="2" name="标题 1"/>
+          <p:cNvSpPr>
+            <a:spLocks noGrp="1"/>
+          </p:cNvSpPr>
+          <p:nvPr>
+            <p:ph type="title"/>
+          </p:nvPr>
+        </p:nvSpPr>
+        <p:spPr/>
+        <p:txBody>
+          <a:bodyPr/>
+          <a:lstStyle/>
+          <a:p>
+            <a:r>
+              <a:rPr lang="en-US" altLang="zh-CN" dirty="0" smtClean="0"/>
+              <a:t>Fix Compiling Errors</a:t>
+            </a:r>
+            <a:endParaRPr lang="zh-CN" altLang="en-US" dirty="0"/>
+          </a:p>
+        </p:txBody>
+      </p:sp>
+      <p:sp>
+        <p:nvSpPr>
+          <p:cNvPr id="3" name="内容占位符 2"/>
+          <p:cNvSpPr>
+            <a:spLocks noGrp="1"/>
+          </p:cNvSpPr>
+          <p:nvPr>
+            <p:ph idx="1"/>
+          </p:nvPr>
+        </p:nvSpPr>
+        <p:spPr/>
+        <p:txBody>
+          <a:bodyPr/>
+          <a:lstStyle/>
+          <a:p>
+            <a:r>
+              <a:rPr lang="en-US" altLang="zh-CN" dirty="0" smtClean="0"/>
+              <a:t>Compiling errors do not interrupt compiling, but there’re some syntactic  rules you should follow</a:t>
+            </a:r>
+            <a:endParaRPr lang="zh-CN" altLang="en-US" dirty="0"/>
+          </a:p>
+        </p:txBody>
+      </p:sp>
+    </p:spTree>
+    <p:extLst>
+      <p:ext uri="{BB962C8B-B14F-4D97-AF65-F5344CB8AC3E}">
+        <p14:creationId xmlns:p14="http://schemas.microsoft.com/office/powerpoint/2010/main" val="396705180"/>
+      </p:ext>
+    </p:extLst>
+  </p:cSld>
+  <p:clrMapOvr>
+    <a:masterClrMapping/>
+  </p:clrMapOvr>
+</p:sld>
+</file>
+
+<file path=ppt/slides/slide6.xml><?xml version="1.0" encoding="utf-8"?>
+<p:sld xmlns:a="http://schemas.openxmlformats.org/drawingml/2006/main" xmlns:r="http://schemas.openxmlformats.org/officeDocument/2006/relationships" xmlns:p="http://schemas.openxmlformats.org/presentationml/2006/main">
+  <p:cSld>
+    <p:spTree>
+      <p:nvGrpSpPr>
+        <p:cNvPr id="1" name=""/>
+        <p:cNvGrpSpPr/>
+        <p:nvPr/>
+      </p:nvGrpSpPr>
+      <p:grpSpPr>
+        <a:xfrm>
+          <a:off x="0" y="0"/>
+          <a:ext cx="0" cy="0"/>
+          <a:chOff x="0" y="0"/>
+          <a:chExt cx="0" cy="0"/>
+        </a:xfrm>
+      </p:grpSpPr>
+      <p:sp>
+        <p:nvSpPr>
+          <p:cNvPr id="2" name="标题 1"/>
+          <p:cNvSpPr>
+            <a:spLocks noGrp="1"/>
+          </p:cNvSpPr>
+          <p:nvPr>
+            <p:ph type="title"/>
+          </p:nvPr>
+        </p:nvSpPr>
+        <p:spPr/>
+        <p:txBody>
+          <a:bodyPr/>
+          <a:lstStyle/>
+          <a:p>
+            <a:endParaRPr lang="zh-CN" altLang="en-US"/>
+          </a:p>
+        </p:txBody>
+      </p:sp>
+      <p:sp>
+        <p:nvSpPr>
+          <p:cNvPr id="3" name="内容占位符 2"/>
+          <p:cNvSpPr>
+            <a:spLocks noGrp="1"/>
+          </p:cNvSpPr>
+          <p:nvPr>
+            <p:ph idx="1"/>
+          </p:nvPr>
+        </p:nvSpPr>
+        <p:spPr/>
+        <p:txBody>
+          <a:bodyPr/>
+          <a:lstStyle/>
+          <a:p>
+            <a:endParaRPr lang="zh-CN" altLang="en-US"/>
+          </a:p>
+        </p:txBody>
+      </p:sp>
+    </p:spTree>
+    <p:extLst>
+      <p:ext uri="{BB962C8B-B14F-4D97-AF65-F5344CB8AC3E}">
+        <p14:creationId xmlns:p14="http://schemas.microsoft.com/office/powerpoint/2010/main" val="2937697776"/>
       </p:ext>
     </p:extLst>
   </p:cSld>
